--- a/Notes/Lecture 2_data.pptx
+++ b/Notes/Lecture 2_data.pptx
@@ -180,14 +180,6 @@
 </p:presentation>
 </file>
 
-<file path=ppt/revisionInfo.xml><?xml version="1.0" encoding="utf-8"?>
-<p1510:revInfo xmlns:a="http://schemas.openxmlformats.org/drawingml/2006/main" xmlns:r="http://schemas.openxmlformats.org/officeDocument/2006/relationships" xmlns:p1510="http://schemas.microsoft.com/office/powerpoint/2015/10/main">
-  <p1510:revLst>
-    <p1510:client id="{0566A964-7AC1-493C-8C9E-5C8D3128172C}" v="13" dt="2024-09-10T15:44:02.942"/>
-  </p1510:revLst>
-</p1510:revInfo>
-</file>
-
 <file path=ppt/changesInfos/changesInfo1.xml><?xml version="1.0" encoding="utf-8"?>
 <pc:chgInfo xmlns:a="http://schemas.openxmlformats.org/drawingml/2006/main" xmlns:r="http://schemas.openxmlformats.org/officeDocument/2006/relationships" xmlns:ac="http://schemas.microsoft.com/office/drawing/2013/main/command" xmlns:pc="http://schemas.microsoft.com/office/powerpoint/2013/main/command">
   <pc:docChgLst>
@@ -218,6 +210,30 @@
           <pc:docMk/>
           <pc:sldMk cId="1509110283" sldId="533"/>
         </pc:sldMkLst>
+      </pc:sldChg>
+    </pc:docChg>
+  </pc:docChgLst>
+  <pc:docChgLst>
+    <pc:chgData name="Nguyen, Harrison" userId="fe88d3b6-7f3a-4c2d-9775-ac98a12f5675" providerId="ADAL" clId="{F4DD2B6D-8EB2-45F1-8B7F-4E1C66ECF7CE}"/>
+    <pc:docChg chg="undo custSel modSld">
+      <pc:chgData name="Nguyen, Harrison" userId="fe88d3b6-7f3a-4c2d-9775-ac98a12f5675" providerId="ADAL" clId="{F4DD2B6D-8EB2-45F1-8B7F-4E1C66ECF7CE}" dt="2024-10-04T04:25:16.242" v="1" actId="20577"/>
+      <pc:docMkLst>
+        <pc:docMk/>
+      </pc:docMkLst>
+      <pc:sldChg chg="modSp mod">
+        <pc:chgData name="Nguyen, Harrison" userId="fe88d3b6-7f3a-4c2d-9775-ac98a12f5675" providerId="ADAL" clId="{F4DD2B6D-8EB2-45F1-8B7F-4E1C66ECF7CE}" dt="2024-10-04T04:25:16.242" v="1" actId="20577"/>
+        <pc:sldMkLst>
+          <pc:docMk/>
+          <pc:sldMk cId="3310010066" sldId="495"/>
+        </pc:sldMkLst>
+        <pc:spChg chg="mod">
+          <ac:chgData name="Nguyen, Harrison" userId="fe88d3b6-7f3a-4c2d-9775-ac98a12f5675" providerId="ADAL" clId="{F4DD2B6D-8EB2-45F1-8B7F-4E1C66ECF7CE}" dt="2024-10-04T04:25:16.242" v="1" actId="20577"/>
+          <ac:spMkLst>
+            <pc:docMk/>
+            <pc:sldMk cId="3310010066" sldId="495"/>
+            <ac:spMk id="54275" creationId="{00000000-0000-0000-0000-000000000000}"/>
+          </ac:spMkLst>
+        </pc:spChg>
       </pc:sldChg>
     </pc:docChg>
   </pc:docChgLst>
